--- a/FIAP-QualidProjSW-Aula15-CONTROLEdeVERSAO-v2.pptx
+++ b/FIAP-QualidProjSW-Aula15-CONTROLEdeVERSAO-v2.pptx
@@ -5312,10 +5312,10 @@
           </a:p>
           <a:p>
             <a:r>
-              <a:rPr lang="pt-BR" b="1" dirty="0" smtClean="0">
+              <a:rPr lang="pt-BR" b="1" smtClean="0">
                 <a:latin typeface="Calibri" panose="020F0502020204030204" pitchFamily="34" charset="0"/>
               </a:rPr>
-              <a:t>15 </a:t>
+              <a:t>XX </a:t>
             </a:r>
             <a:r>
               <a:rPr lang="pt-BR" sz="1800" b="1" dirty="0" smtClean="0">
